--- a/slides/a3_correlacao.pptx
+++ b/slides/a3_correlacao.pptx
@@ -23,8 +23,8 @@
     <p:sldId id="271" r:id="rId14"/>
     <p:sldId id="282" r:id="rId15"/>
     <p:sldId id="284" r:id="rId16"/>
-    <p:sldId id="285" r:id="rId17"/>
-    <p:sldId id="286" r:id="rId18"/>
+    <p:sldId id="286" r:id="rId17"/>
+    <p:sldId id="285" r:id="rId18"/>
     <p:sldId id="283" r:id="rId19"/>
   </p:sldIdLst>
   <p:sldSz cx="9144000" cy="6858000" type="screen4x3"/>
@@ -5215,7 +5215,7 @@
             </a:extLst>
           </p:cNvPr>
           <p:cNvSpPr>
-            <a:spLocks/>
+            <a:spLocks noGrp="1"/>
           </p:cNvSpPr>
           <p:nvPr>
             <p:ph type="title"/>
@@ -6023,7 +6023,12 @@
             <p:ph type="title"/>
           </p:nvPr>
         </p:nvSpPr>
-        <p:spPr/>
+        <p:spPr>
+          <a:xfrm>
+            <a:off x="457199" y="76200"/>
+            <a:ext cx="8229600" cy="1143000"/>
+          </a:xfrm>
+        </p:spPr>
         <p:txBody>
           <a:bodyPr/>
           <a:lstStyle/>
@@ -6057,8 +6062,8 @@
         </p:blipFill>
         <p:spPr>
           <a:xfrm>
-            <a:off x="1143000" y="1143000"/>
-            <a:ext cx="7010400" cy="5250467"/>
+            <a:off x="909291" y="1096962"/>
+            <a:ext cx="7325417" cy="5486400"/>
           </a:xfrm>
           <a:prstGeom prst="rect">
             <a:avLst/>
@@ -6098,6 +6103,69 @@
           <a:chExt cx="0" cy="0"/>
         </a:xfrm>
       </p:grpSpPr>
+      <p:pic>
+        <p:nvPicPr>
+          <p:cNvPr id="2" name="Imagem 1">
+            <a:extLst>
+              <a:ext uri="{FF2B5EF4-FFF2-40B4-BE49-F238E27FC236}">
+                <a16:creationId xmlns:a16="http://schemas.microsoft.com/office/drawing/2014/main" id="{AABA9CA7-EFAD-5CB5-D715-3E7CCDF3D744}"/>
+              </a:ext>
+            </a:extLst>
+          </p:cNvPr>
+          <p:cNvPicPr>
+            <a:picLocks noChangeAspect="1"/>
+          </p:cNvPicPr>
+          <p:nvPr/>
+        </p:nvPicPr>
+        <p:blipFill>
+          <a:blip r:embed="rId2"/>
+          <a:stretch>
+            <a:fillRect/>
+          </a:stretch>
+        </p:blipFill>
+        <p:spPr>
+          <a:xfrm>
+            <a:off x="533400" y="228600"/>
+            <a:ext cx="7772400" cy="6502805"/>
+          </a:xfrm>
+          <a:prstGeom prst="rect">
+            <a:avLst/>
+          </a:prstGeom>
+        </p:spPr>
+      </p:pic>
+    </p:spTree>
+    <p:extLst>
+      <p:ext uri="{BB962C8B-B14F-4D97-AF65-F5344CB8AC3E}">
+        <p14:creationId xmlns:p14="http://schemas.microsoft.com/office/powerpoint/2010/main" val="2229172063"/>
+      </p:ext>
+    </p:extLst>
+  </p:cSld>
+  <p:clrMapOvr>
+    <a:masterClrMapping/>
+  </p:clrMapOvr>
+  <p:transition>
+    <p:fade thruBlk="1"/>
+  </p:transition>
+</p:sld>
+</file>
+
+<file path=ppt/slides/slide17.xml><?xml version="1.0" encoding="utf-8"?>
+<p:sld xmlns:a="http://schemas.openxmlformats.org/drawingml/2006/main" xmlns:r="http://schemas.openxmlformats.org/officeDocument/2006/relationships" xmlns:p="http://schemas.openxmlformats.org/presentationml/2006/main">
+  <p:cSld>
+    <p:spTree>
+      <p:nvGrpSpPr>
+        <p:cNvPr id="1" name=""/>
+        <p:cNvGrpSpPr/>
+        <p:nvPr/>
+      </p:nvGrpSpPr>
+      <p:grpSpPr>
+        <a:xfrm>
+          <a:off x="0" y="0"/>
+          <a:ext cx="0" cy="0"/>
+          <a:chOff x="0" y="0"/>
+          <a:chExt cx="0" cy="0"/>
+        </a:xfrm>
+      </p:grpSpPr>
       <p:sp>
         <p:nvSpPr>
           <p:cNvPr id="2" name="Título 1">
@@ -6172,69 +6240,6 @@
 </p:sld>
 </file>
 
-<file path=ppt/slides/slide17.xml><?xml version="1.0" encoding="utf-8"?>
-<p:sld xmlns:a="http://schemas.openxmlformats.org/drawingml/2006/main" xmlns:r="http://schemas.openxmlformats.org/officeDocument/2006/relationships" xmlns:p="http://schemas.openxmlformats.org/presentationml/2006/main">
-  <p:cSld>
-    <p:spTree>
-      <p:nvGrpSpPr>
-        <p:cNvPr id="1" name=""/>
-        <p:cNvGrpSpPr/>
-        <p:nvPr/>
-      </p:nvGrpSpPr>
-      <p:grpSpPr>
-        <a:xfrm>
-          <a:off x="0" y="0"/>
-          <a:ext cx="0" cy="0"/>
-          <a:chOff x="0" y="0"/>
-          <a:chExt cx="0" cy="0"/>
-        </a:xfrm>
-      </p:grpSpPr>
-      <p:pic>
-        <p:nvPicPr>
-          <p:cNvPr id="2" name="Imagem 1">
-            <a:extLst>
-              <a:ext uri="{FF2B5EF4-FFF2-40B4-BE49-F238E27FC236}">
-                <a16:creationId xmlns:a16="http://schemas.microsoft.com/office/drawing/2014/main" id="{AABA9CA7-EFAD-5CB5-D715-3E7CCDF3D744}"/>
-              </a:ext>
-            </a:extLst>
-          </p:cNvPr>
-          <p:cNvPicPr>
-            <a:picLocks noChangeAspect="1"/>
-          </p:cNvPicPr>
-          <p:nvPr/>
-        </p:nvPicPr>
-        <p:blipFill>
-          <a:blip r:embed="rId2"/>
-          <a:stretch>
-            <a:fillRect/>
-          </a:stretch>
-        </p:blipFill>
-        <p:spPr>
-          <a:xfrm>
-            <a:off x="914400" y="457199"/>
-            <a:ext cx="7010400" cy="5865275"/>
-          </a:xfrm>
-          <a:prstGeom prst="rect">
-            <a:avLst/>
-          </a:prstGeom>
-        </p:spPr>
-      </p:pic>
-    </p:spTree>
-    <p:extLst>
-      <p:ext uri="{BB962C8B-B14F-4D97-AF65-F5344CB8AC3E}">
-        <p14:creationId xmlns:p14="http://schemas.microsoft.com/office/powerpoint/2010/main" val="2229172063"/>
-      </p:ext>
-    </p:extLst>
-  </p:cSld>
-  <p:clrMapOvr>
-    <a:masterClrMapping/>
-  </p:clrMapOvr>
-  <p:transition>
-    <p:fade thruBlk="1"/>
-  </p:transition>
-</p:sld>
-</file>
-
 <file path=ppt/slides/slide18.xml><?xml version="1.0" encoding="utf-8"?>
 <p:sld xmlns:a="http://schemas.openxmlformats.org/drawingml/2006/main" xmlns:r="http://schemas.openxmlformats.org/officeDocument/2006/relationships" xmlns:p="http://schemas.openxmlformats.org/presentationml/2006/main">
   <p:cSld>
@@ -6304,7 +6309,7 @@
         <p:spPr>
           <a:xfrm>
             <a:off x="152400" y="1135117"/>
-            <a:ext cx="8724900" cy="5181600"/>
+            <a:ext cx="8686800" cy="5418084"/>
           </a:xfrm>
         </p:spPr>
         <p:txBody>
@@ -6312,9 +6317,18 @@
           <a:lstStyle/>
           <a:p>
             <a:r>
+              <a:rPr lang="pt-BR" sz="2000"/>
+              <a:t>Relações teste-critério, teste-teste </a:t>
+            </a:r>
+            <a:r>
               <a:rPr lang="pt-BR" sz="2000" dirty="0"/>
-              <a:t>Relações teste-critério (métodos diferentes)</a:t>
-            </a:r>
+              <a:t>(métodos </a:t>
+            </a:r>
+            <a:r>
+              <a:rPr lang="pt-BR" sz="2000"/>
+              <a:t>diferentes)</a:t>
+            </a:r>
+            <a:endParaRPr lang="pt-BR" sz="2000" dirty="0"/>
           </a:p>
           <a:p>
             <a:pPr lvl="1"/>
@@ -6391,7 +6405,22 @@
           <a:p>
             <a:r>
               <a:rPr lang="pt-BR" sz="2000" dirty="0"/>
-              <a:t>Coeficiente de precisão (correlação escore observado com escore verdadeiro)</a:t>
+              <a:t>Coeficiente de precisão (definição teórica: correlação escore observado com escore verdadeiro)</a:t>
+            </a:r>
+          </a:p>
+          <a:p>
+            <a:pPr lvl="1"/>
+            <a:r>
+              <a:rPr lang="pt-BR" sz="1600" dirty="0"/>
+              <a:t>(teste-reteste, alfa, split-</a:t>
+            </a:r>
+            <a:r>
+              <a:rPr lang="pt-BR" sz="1600" dirty="0" err="1"/>
+              <a:t>half</a:t>
+            </a:r>
+            <a:r>
+              <a:rPr lang="pt-BR" sz="1600" dirty="0"/>
+              <a:t> ou metades, precisão de avaliadores)</a:t>
             </a:r>
           </a:p>
           <a:p>
@@ -7896,7 +7925,7 @@
             </a:extLst>
           </p:cNvPr>
           <p:cNvGraphicFramePr>
-            <a:graphicFrameLocks noChangeAspect="1"/>
+            <a:graphicFrameLocks noGrp="1" noChangeAspect="1"/>
           </p:cNvGraphicFramePr>
           <p:nvPr>
             <p:ph idx="4294967295"/>
